--- a/docs/Video Anomaly Detection – Design Notes v5.pptx
+++ b/docs/Video Anomaly Detection – Design Notes v5.pptx
@@ -5,7 +5,7 @@
     <p:sldMasterId id="2147483648" r:id="rId1"/>
   </p:sldMasterIdLst>
   <p:notesMasterIdLst>
-    <p:notesMasterId r:id="rId35"/>
+    <p:notesMasterId r:id="rId36"/>
   </p:notesMasterIdLst>
   <p:sldIdLst>
     <p:sldId id="375" r:id="rId2"/>
@@ -29,18 +29,19 @@
     <p:sldId id="417" r:id="rId20"/>
     <p:sldId id="416" r:id="rId21"/>
     <p:sldId id="418" r:id="rId22"/>
-    <p:sldId id="414" r:id="rId23"/>
-    <p:sldId id="410" r:id="rId24"/>
-    <p:sldId id="404" r:id="rId25"/>
-    <p:sldId id="408" r:id="rId26"/>
-    <p:sldId id="405" r:id="rId27"/>
-    <p:sldId id="392" r:id="rId28"/>
-    <p:sldId id="394" r:id="rId29"/>
-    <p:sldId id="396" r:id="rId30"/>
-    <p:sldId id="395" r:id="rId31"/>
-    <p:sldId id="407" r:id="rId32"/>
-    <p:sldId id="368" r:id="rId33"/>
-    <p:sldId id="354" r:id="rId34"/>
+    <p:sldId id="419" r:id="rId23"/>
+    <p:sldId id="414" r:id="rId24"/>
+    <p:sldId id="410" r:id="rId25"/>
+    <p:sldId id="404" r:id="rId26"/>
+    <p:sldId id="408" r:id="rId27"/>
+    <p:sldId id="405" r:id="rId28"/>
+    <p:sldId id="392" r:id="rId29"/>
+    <p:sldId id="394" r:id="rId30"/>
+    <p:sldId id="396" r:id="rId31"/>
+    <p:sldId id="395" r:id="rId32"/>
+    <p:sldId id="407" r:id="rId33"/>
+    <p:sldId id="368" r:id="rId34"/>
+    <p:sldId id="354" r:id="rId35"/>
   </p:sldIdLst>
   <p:sldSz cx="12192000" cy="6858000"/>
   <p:notesSz cx="6858000" cy="9144000"/>
@@ -3473,7 +3474,7 @@
           <a:p>
             <a:fld id="{1C223EFC-526B-4EF2-8A0A-F01C60CA2A67}" type="datetimeFigureOut">
               <a:rPr lang="en-US" smtClean="0"/>
-              <a:t>11/3/2023</a:t>
+              <a:t>11/6/2023</a:t>
             </a:fld>
             <a:endParaRPr lang="en-US" dirty="0"/>
           </a:p>
@@ -3805,7 +3806,7 @@
           <a:p>
             <a:fld id="{DAF72F06-F6ED-43C1-A86D-15B5F2AFDECD}" type="slidenum">
               <a:rPr lang="en-US" smtClean="0"/>
-              <a:t>32</a:t>
+              <a:t>33</a:t>
             </a:fld>
             <a:endParaRPr lang="en-US" dirty="0"/>
           </a:p>
@@ -10310,8 +10311,12 @@
           <a:lstStyle/>
           <a:p>
             <a:r>
+              <a:rPr lang="en-US" dirty="0" err="1"/>
+              <a:t>Futher</a:t>
+            </a:r>
+            <a:r>
               <a:rPr lang="en-US" dirty="0"/>
-              <a:t>To do:</a:t>
+              <a:t> steps:</a:t>
             </a:r>
           </a:p>
         </p:txBody>
@@ -10360,8 +10365,8 @@
         </p:nvSpPr>
         <p:spPr>
           <a:xfrm>
-            <a:off x="671804" y="1744824"/>
-            <a:ext cx="10349821" cy="646331"/>
+            <a:off x="671805" y="1744824"/>
+            <a:ext cx="10537684" cy="2031325"/>
           </a:xfrm>
           <a:prstGeom prst="rect">
             <a:avLst/>
@@ -10369,7 +10374,7 @@
           <a:noFill/>
         </p:spPr>
         <p:txBody>
-          <a:bodyPr wrap="none" rtlCol="0">
+          <a:bodyPr wrap="square" rtlCol="0">
             <a:spAutoFit/>
           </a:bodyPr>
           <a:lstStyle/>
@@ -10390,6 +10395,44 @@
               <a:rPr lang="en-US" dirty="0"/>
               <a:t>Fix the same possible error, the regular video split as well. </a:t>
             </a:r>
+          </a:p>
+          <a:p>
+            <a:pPr marL="342900" indent="-342900">
+              <a:buAutoNum type="arabicPeriod"/>
+            </a:pPr>
+            <a:r>
+              <a:rPr lang="en-US" dirty="0"/>
+              <a:t>Repeat the process for all variants – and reconfirm results</a:t>
+            </a:r>
+          </a:p>
+          <a:p>
+            <a:pPr marL="342900" indent="-342900">
+              <a:buAutoNum type="arabicPeriod"/>
+            </a:pPr>
+            <a:r>
+              <a:rPr lang="en-US" dirty="0"/>
+              <a:t>Increase frame sampling rate and assess performance </a:t>
+            </a:r>
+          </a:p>
+          <a:p>
+            <a:pPr marL="342900" indent="-342900">
+              <a:buAutoNum type="arabicPeriod"/>
+            </a:pPr>
+            <a:r>
+              <a:rPr lang="en-US" dirty="0"/>
+              <a:t>In the </a:t>
+            </a:r>
+            <a:r>
+              <a:rPr lang="en-US" dirty="0" err="1"/>
+              <a:t>full_classifier</a:t>
+            </a:r>
+            <a:r>
+              <a:rPr lang="en-US" dirty="0"/>
+              <a:t>, remove the provided test videos, and only train on the training set (without using the validation set – and test on the test videos provided in the test video list. </a:t>
+            </a:r>
+          </a:p>
+          <a:p>
+            <a:endParaRPr lang="en-US" dirty="0"/>
           </a:p>
         </p:txBody>
       </p:sp>
@@ -10428,7 +10471,7 @@
           <p:cNvPr id="2" name="Title 1">
             <a:extLst>
               <a:ext uri="{FF2B5EF4-FFF2-40B4-BE49-F238E27FC236}">
-                <a16:creationId xmlns:a16="http://schemas.microsoft.com/office/drawing/2014/main" id="{75D2B058-B39E-D5E6-800F-C1841BC99B1F}"/>
+                <a16:creationId xmlns:a16="http://schemas.microsoft.com/office/drawing/2014/main" id="{DB626DEE-D76E-CE75-2E2A-51F3B46E6550}"/>
               </a:ext>
             </a:extLst>
           </p:cNvPr>
@@ -10446,7 +10489,7 @@
           <a:p>
             <a:r>
               <a:rPr lang="en-US" dirty="0"/>
-              <a:t>Variant 3: Run classifier on the Full videos within the Testing Set Only (290 test videos) -  No splitting of each video</a:t>
+              <a:t>Conclusions</a:t>
             </a:r>
           </a:p>
         </p:txBody>
@@ -10456,7 +10499,7 @@
           <p:cNvPr id="3" name="Content Placeholder 2">
             <a:extLst>
               <a:ext uri="{FF2B5EF4-FFF2-40B4-BE49-F238E27FC236}">
-                <a16:creationId xmlns:a16="http://schemas.microsoft.com/office/drawing/2014/main" id="{32FCD787-FDFA-902C-ED4C-7D4029E1128F}"/>
+                <a16:creationId xmlns:a16="http://schemas.microsoft.com/office/drawing/2014/main" id="{BBDBCA06-294F-0DA5-EDEF-4FBD838950E1}"/>
               </a:ext>
             </a:extLst>
           </p:cNvPr>
@@ -10467,12 +10510,45 @@
             <p:ph sz="quarter" idx="24"/>
           </p:nvPr>
         </p:nvSpPr>
-        <p:spPr/>
-        <p:txBody>
-          <a:bodyPr/>
+        <p:spPr>
+          <a:solidFill>
+            <a:schemeClr val="accent3">
+              <a:lumMod val="20000"/>
+              <a:lumOff val="80000"/>
+            </a:schemeClr>
+          </a:solidFill>
+        </p:spPr>
+        <p:txBody>
+          <a:bodyPr anchor="t" anchorCtr="0"/>
           <a:lstStyle/>
           <a:p>
-            <a:endParaRPr lang="en-US" dirty="0"/>
+            <a:pPr marL="285750" indent="-285750" algn="l">
+              <a:spcBef>
+                <a:spcPts val="0"/>
+              </a:spcBef>
+              <a:buFont typeface="Arial" panose="020B0604020202020204" pitchFamily="34" charset="0"/>
+              <a:buChar char="•"/>
+            </a:pPr>
+            <a:r>
+              <a:rPr lang="en-US" dirty="0"/>
+              <a:t>Size of data set matters when training the classifier.  At least 400 samples provider better results</a:t>
+            </a:r>
+          </a:p>
+          <a:p>
+            <a:pPr marL="285750" indent="-285750" algn="l">
+              <a:lnSpc>
+                <a:spcPct val="250000"/>
+              </a:lnSpc>
+              <a:spcBef>
+                <a:spcPts val="0"/>
+              </a:spcBef>
+              <a:buFont typeface="Arial" panose="020B0604020202020204" pitchFamily="34" charset="0"/>
+              <a:buChar char="•"/>
+            </a:pPr>
+            <a:r>
+              <a:rPr lang="en-US" dirty="0"/>
+              <a:t>Can this result be further analyzed and an initial paper be produced? </a:t>
+            </a:r>
           </a:p>
         </p:txBody>
       </p:sp>
@@ -10481,7 +10557,7 @@
           <p:cNvPr id="4" name="Slide Number Placeholder 3">
             <a:extLst>
               <a:ext uri="{FF2B5EF4-FFF2-40B4-BE49-F238E27FC236}">
-                <a16:creationId xmlns:a16="http://schemas.microsoft.com/office/drawing/2014/main" id="{E812060F-01E4-541F-F0E5-597DC330F6C9}"/>
+                <a16:creationId xmlns:a16="http://schemas.microsoft.com/office/drawing/2014/main" id="{6DE0BE40-3CBE-5F3F-1183-82EBF4DBD6E0}"/>
               </a:ext>
             </a:extLst>
           </p:cNvPr>
@@ -10509,7 +10585,7 @@
     </p:spTree>
     <p:extLst>
       <p:ext uri="{BB962C8B-B14F-4D97-AF65-F5344CB8AC3E}">
-        <p14:creationId xmlns:p14="http://schemas.microsoft.com/office/powerpoint/2010/main" val="2197279962"/>
+        <p14:creationId xmlns:p14="http://schemas.microsoft.com/office/powerpoint/2010/main" val="246210294"/>
       </p:ext>
     </p:extLst>
   </p:cSld>
@@ -10541,7 +10617,7 @@
           <p:cNvPr id="2" name="Title 1">
             <a:extLst>
               <a:ext uri="{FF2B5EF4-FFF2-40B4-BE49-F238E27FC236}">
-                <a16:creationId xmlns:a16="http://schemas.microsoft.com/office/drawing/2014/main" id="{6CCAAC03-72BB-8619-CDF8-769B0F02EE63}"/>
+                <a16:creationId xmlns:a16="http://schemas.microsoft.com/office/drawing/2014/main" id="{75D2B058-B39E-D5E6-800F-C1841BC99B1F}"/>
               </a:ext>
             </a:extLst>
           </p:cNvPr>
@@ -10559,7 +10635,7 @@
           <a:p>
             <a:r>
               <a:rPr lang="en-US" dirty="0"/>
-              <a:t>EFFECTS OF INCREASING THE FRAME SAMPLING RATE FROM CURRENT 5:1 TO 3:1 AND THEN 1:1</a:t>
+              <a:t>Variant 3: Run classifier on the Full videos within the Testing Set Only (290 test videos) -  No splitting of each video</a:t>
             </a:r>
           </a:p>
         </p:txBody>
@@ -10569,7 +10645,7 @@
           <p:cNvPr id="3" name="Content Placeholder 2">
             <a:extLst>
               <a:ext uri="{FF2B5EF4-FFF2-40B4-BE49-F238E27FC236}">
-                <a16:creationId xmlns:a16="http://schemas.microsoft.com/office/drawing/2014/main" id="{BC2C8E6B-6D01-0FCB-0EEB-BF42ACF42AF4}"/>
+                <a16:creationId xmlns:a16="http://schemas.microsoft.com/office/drawing/2014/main" id="{32FCD787-FDFA-902C-ED4C-7D4029E1128F}"/>
               </a:ext>
             </a:extLst>
           </p:cNvPr>
@@ -10585,7 +10661,7 @@
           <a:bodyPr/>
           <a:lstStyle/>
           <a:p>
-            <a:endParaRPr lang="en-US"/>
+            <a:endParaRPr lang="en-US" dirty="0"/>
           </a:p>
         </p:txBody>
       </p:sp>
@@ -10594,7 +10670,7 @@
           <p:cNvPr id="4" name="Slide Number Placeholder 3">
             <a:extLst>
               <a:ext uri="{FF2B5EF4-FFF2-40B4-BE49-F238E27FC236}">
-                <a16:creationId xmlns:a16="http://schemas.microsoft.com/office/drawing/2014/main" id="{8E576637-5EBB-7B47-616D-48BF584F5D51}"/>
+                <a16:creationId xmlns:a16="http://schemas.microsoft.com/office/drawing/2014/main" id="{E812060F-01E4-541F-F0E5-597DC330F6C9}"/>
               </a:ext>
             </a:extLst>
           </p:cNvPr>
@@ -10622,7 +10698,7 @@
     </p:spTree>
     <p:extLst>
       <p:ext uri="{BB962C8B-B14F-4D97-AF65-F5344CB8AC3E}">
-        <p14:creationId xmlns:p14="http://schemas.microsoft.com/office/powerpoint/2010/main" val="2100213203"/>
+        <p14:creationId xmlns:p14="http://schemas.microsoft.com/office/powerpoint/2010/main" val="2197279962"/>
       </p:ext>
     </p:extLst>
   </p:cSld>
@@ -10654,7 +10730,7 @@
           <p:cNvPr id="2" name="Title 1">
             <a:extLst>
               <a:ext uri="{FF2B5EF4-FFF2-40B4-BE49-F238E27FC236}">
-                <a16:creationId xmlns:a16="http://schemas.microsoft.com/office/drawing/2014/main" id="{22D92A02-2EBC-1B29-FC69-E0136E91E378}"/>
+                <a16:creationId xmlns:a16="http://schemas.microsoft.com/office/drawing/2014/main" id="{6CCAAC03-72BB-8619-CDF8-769B0F02EE63}"/>
               </a:ext>
             </a:extLst>
           </p:cNvPr>
@@ -10672,8 +10748,33 @@
           <a:p>
             <a:r>
               <a:rPr lang="en-US" dirty="0"/>
-              <a:t>Areas to investigate based on the current results</a:t>
-            </a:r>
+              <a:t>EFFECTS OF INCREASING THE FRAME SAMPLING RATE FROM CURRENT 5:1 TO 3:1 AND THEN 1:1</a:t>
+            </a:r>
+          </a:p>
+        </p:txBody>
+      </p:sp>
+      <p:sp>
+        <p:nvSpPr>
+          <p:cNvPr id="3" name="Content Placeholder 2">
+            <a:extLst>
+              <a:ext uri="{FF2B5EF4-FFF2-40B4-BE49-F238E27FC236}">
+                <a16:creationId xmlns:a16="http://schemas.microsoft.com/office/drawing/2014/main" id="{BC2C8E6B-6D01-0FCB-0EEB-BF42ACF42AF4}"/>
+              </a:ext>
+            </a:extLst>
+          </p:cNvPr>
+          <p:cNvSpPr>
+            <a:spLocks noGrp="1"/>
+          </p:cNvSpPr>
+          <p:nvPr>
+            <p:ph sz="quarter" idx="24"/>
+          </p:nvPr>
+        </p:nvSpPr>
+        <p:spPr/>
+        <p:txBody>
+          <a:bodyPr/>
+          <a:lstStyle/>
+          <a:p>
+            <a:endParaRPr lang="en-US"/>
           </a:p>
         </p:txBody>
       </p:sp>
@@ -10682,7 +10783,7 @@
           <p:cNvPr id="4" name="Slide Number Placeholder 3">
             <a:extLst>
               <a:ext uri="{FF2B5EF4-FFF2-40B4-BE49-F238E27FC236}">
-                <a16:creationId xmlns:a16="http://schemas.microsoft.com/office/drawing/2014/main" id="{A4952C4E-17D8-6FAF-7B31-6E9E8B31095A}"/>
+                <a16:creationId xmlns:a16="http://schemas.microsoft.com/office/drawing/2014/main" id="{8E576637-5EBB-7B47-616D-48BF584F5D51}"/>
               </a:ext>
             </a:extLst>
           </p:cNvPr>
@@ -10707,118 +10808,10 @@
           </a:p>
         </p:txBody>
       </p:sp>
-      <p:sp>
-        <p:nvSpPr>
-          <p:cNvPr id="5" name="TextBox 4">
-            <a:extLst>
-              <a:ext uri="{FF2B5EF4-FFF2-40B4-BE49-F238E27FC236}">
-                <a16:creationId xmlns:a16="http://schemas.microsoft.com/office/drawing/2014/main" id="{545191CD-1AC6-FBFB-E05A-C52FAC2B0909}"/>
-              </a:ext>
-            </a:extLst>
-          </p:cNvPr>
-          <p:cNvSpPr txBox="1"/>
-          <p:nvPr/>
-        </p:nvSpPr>
-        <p:spPr>
-          <a:xfrm>
-            <a:off x="380999" y="1259633"/>
-            <a:ext cx="11674152" cy="3416320"/>
-          </a:xfrm>
-          <a:prstGeom prst="rect">
-            <a:avLst/>
-          </a:prstGeom>
-          <a:noFill/>
-        </p:spPr>
-        <p:txBody>
-          <a:bodyPr wrap="square" rtlCol="0">
-            <a:spAutoFit/>
-          </a:bodyPr>
-          <a:lstStyle/>
-          <a:p>
-            <a:pPr marL="342900" indent="-342900">
-              <a:buFont typeface="+mj-lt"/>
-              <a:buAutoNum type="arabicPeriod"/>
-            </a:pPr>
-            <a:r>
-              <a:rPr lang="en-US" dirty="0"/>
-              <a:t>Why is the full video classifier performing better than the extracted segment classifier</a:t>
-            </a:r>
-          </a:p>
-          <a:p>
-            <a:pPr marL="800100" lvl="1" indent="-342900">
-              <a:buFont typeface="Arial" panose="020B0604020202020204" pitchFamily="34" charset="0"/>
-              <a:buChar char="•"/>
-            </a:pPr>
-            <a:r>
-              <a:rPr lang="en-US" dirty="0"/>
-              <a:t>Is the learning from the video attributes/metadata rather than the video contents? </a:t>
-            </a:r>
-          </a:p>
-          <a:p>
-            <a:pPr marL="800100" lvl="1" indent="-342900">
-              <a:buFont typeface="Arial" panose="020B0604020202020204" pitchFamily="34" charset="0"/>
-              <a:buChar char="•"/>
-            </a:pPr>
-            <a:r>
-              <a:rPr lang="en-US" dirty="0"/>
-              <a:t>Is it the shorter nature of the extracted segment that is resulting in poorer results? </a:t>
-            </a:r>
-          </a:p>
-          <a:p>
-            <a:pPr marL="1257300" lvl="2" indent="-342900">
-              <a:buFont typeface="Arial" panose="020B0604020202020204" pitchFamily="34" charset="0"/>
-              <a:buChar char="•"/>
-            </a:pPr>
-            <a:r>
-              <a:rPr lang="en-US" dirty="0"/>
-              <a:t>Only 1 in 5 frames is used for the feature extraction model.     Increase this to all frames to check of classification accuracy improves</a:t>
-            </a:r>
-          </a:p>
-          <a:p>
-            <a:pPr marL="1257300" lvl="2" indent="-342900">
-              <a:buFont typeface="Arial" panose="020B0604020202020204" pitchFamily="34" charset="0"/>
-              <a:buChar char="•"/>
-            </a:pPr>
-            <a:endParaRPr lang="en-US" dirty="0"/>
-          </a:p>
-          <a:p>
-            <a:pPr marL="800100" lvl="1" indent="-342900">
-              <a:buFont typeface="Arial" panose="020B0604020202020204" pitchFamily="34" charset="0"/>
-              <a:buChar char="•"/>
-            </a:pPr>
-            <a:r>
-              <a:rPr lang="en-US" dirty="0"/>
-              <a:t>Number of videos may not be the reason as even the previous classifier (on full video) performance as bad as the new classifier (the one trained on extracted segments). </a:t>
-            </a:r>
-          </a:p>
-          <a:p>
-            <a:pPr marL="800100" lvl="1" indent="-342900">
-              <a:buFont typeface="Arial" panose="020B0604020202020204" pitchFamily="34" charset="0"/>
-              <a:buChar char="•"/>
-            </a:pPr>
-            <a:endParaRPr lang="en-US" dirty="0"/>
-          </a:p>
-          <a:p>
-            <a:pPr lvl="1"/>
-            <a:endParaRPr lang="en-US" dirty="0"/>
-          </a:p>
-          <a:p>
-            <a:pPr lvl="1"/>
-            <a:endParaRPr lang="en-US" dirty="0"/>
-          </a:p>
-          <a:p>
-            <a:pPr marL="800100" lvl="1" indent="-342900">
-              <a:buFont typeface="Arial" panose="020B0604020202020204" pitchFamily="34" charset="0"/>
-              <a:buChar char="•"/>
-            </a:pPr>
-            <a:endParaRPr lang="en-US" dirty="0"/>
-          </a:p>
-        </p:txBody>
-      </p:sp>
     </p:spTree>
     <p:extLst>
       <p:ext uri="{BB962C8B-B14F-4D97-AF65-F5344CB8AC3E}">
-        <p14:creationId xmlns:p14="http://schemas.microsoft.com/office/powerpoint/2010/main" val="349729386"/>
+        <p14:creationId xmlns:p14="http://schemas.microsoft.com/office/powerpoint/2010/main" val="2100213203"/>
       </p:ext>
     </p:extLst>
   </p:cSld>
@@ -10850,7 +10843,7 @@
           <p:cNvPr id="2" name="Title 1">
             <a:extLst>
               <a:ext uri="{FF2B5EF4-FFF2-40B4-BE49-F238E27FC236}">
-                <a16:creationId xmlns:a16="http://schemas.microsoft.com/office/drawing/2014/main" id="{B059E0D2-B5FD-7EA3-F0CB-0CCD7FB4AAE9}"/>
+                <a16:creationId xmlns:a16="http://schemas.microsoft.com/office/drawing/2014/main" id="{22D92A02-2EBC-1B29-FC69-E0136E91E378}"/>
               </a:ext>
             </a:extLst>
           </p:cNvPr>
@@ -10868,6 +10861,202 @@
           <a:p>
             <a:r>
               <a:rPr lang="en-US" dirty="0"/>
+              <a:t>Areas to investigate based on the current results</a:t>
+            </a:r>
+          </a:p>
+        </p:txBody>
+      </p:sp>
+      <p:sp>
+        <p:nvSpPr>
+          <p:cNvPr id="4" name="Slide Number Placeholder 3">
+            <a:extLst>
+              <a:ext uri="{FF2B5EF4-FFF2-40B4-BE49-F238E27FC236}">
+                <a16:creationId xmlns:a16="http://schemas.microsoft.com/office/drawing/2014/main" id="{A4952C4E-17D8-6FAF-7B31-6E9E8B31095A}"/>
+              </a:ext>
+            </a:extLst>
+          </p:cNvPr>
+          <p:cNvSpPr>
+            <a:spLocks noGrp="1"/>
+          </p:cNvSpPr>
+          <p:nvPr>
+            <p:ph type="sldNum" sz="quarter" idx="17"/>
+          </p:nvPr>
+        </p:nvSpPr>
+        <p:spPr/>
+        <p:txBody>
+          <a:bodyPr/>
+          <a:lstStyle/>
+          <a:p>
+            <a:fld id="{A52BEA90-E6BE-45F4-8D5D-C2E01FE3DBCB}" type="slidenum">
+              <a:rPr lang="en-US" smtClean="0"/>
+              <a:pPr/>
+              <a:t>25</a:t>
+            </a:fld>
+            <a:endParaRPr lang="en-US" dirty="0"/>
+          </a:p>
+        </p:txBody>
+      </p:sp>
+      <p:sp>
+        <p:nvSpPr>
+          <p:cNvPr id="5" name="TextBox 4">
+            <a:extLst>
+              <a:ext uri="{FF2B5EF4-FFF2-40B4-BE49-F238E27FC236}">
+                <a16:creationId xmlns:a16="http://schemas.microsoft.com/office/drawing/2014/main" id="{545191CD-1AC6-FBFB-E05A-C52FAC2B0909}"/>
+              </a:ext>
+            </a:extLst>
+          </p:cNvPr>
+          <p:cNvSpPr txBox="1"/>
+          <p:nvPr/>
+        </p:nvSpPr>
+        <p:spPr>
+          <a:xfrm>
+            <a:off x="380999" y="1259633"/>
+            <a:ext cx="11674152" cy="3416320"/>
+          </a:xfrm>
+          <a:prstGeom prst="rect">
+            <a:avLst/>
+          </a:prstGeom>
+          <a:noFill/>
+        </p:spPr>
+        <p:txBody>
+          <a:bodyPr wrap="square" rtlCol="0">
+            <a:spAutoFit/>
+          </a:bodyPr>
+          <a:lstStyle/>
+          <a:p>
+            <a:pPr marL="342900" indent="-342900">
+              <a:buFont typeface="+mj-lt"/>
+              <a:buAutoNum type="arabicPeriod"/>
+            </a:pPr>
+            <a:r>
+              <a:rPr lang="en-US" dirty="0"/>
+              <a:t>Why is the full video classifier performing better than the extracted segment classifier</a:t>
+            </a:r>
+          </a:p>
+          <a:p>
+            <a:pPr marL="800100" lvl="1" indent="-342900">
+              <a:buFont typeface="Arial" panose="020B0604020202020204" pitchFamily="34" charset="0"/>
+              <a:buChar char="•"/>
+            </a:pPr>
+            <a:r>
+              <a:rPr lang="en-US" dirty="0"/>
+              <a:t>Is the learning from the video attributes/metadata rather than the video contents? </a:t>
+            </a:r>
+          </a:p>
+          <a:p>
+            <a:pPr marL="800100" lvl="1" indent="-342900">
+              <a:buFont typeface="Arial" panose="020B0604020202020204" pitchFamily="34" charset="0"/>
+              <a:buChar char="•"/>
+            </a:pPr>
+            <a:r>
+              <a:rPr lang="en-US" dirty="0"/>
+              <a:t>Is it the shorter nature of the extracted segment that is resulting in poorer results? </a:t>
+            </a:r>
+          </a:p>
+          <a:p>
+            <a:pPr marL="1257300" lvl="2" indent="-342900">
+              <a:buFont typeface="Arial" panose="020B0604020202020204" pitchFamily="34" charset="0"/>
+              <a:buChar char="•"/>
+            </a:pPr>
+            <a:r>
+              <a:rPr lang="en-US" dirty="0"/>
+              <a:t>Only 1 in 5 frames is used for the feature extraction model.     Increase this to all frames to check of classification accuracy improves</a:t>
+            </a:r>
+          </a:p>
+          <a:p>
+            <a:pPr marL="1257300" lvl="2" indent="-342900">
+              <a:buFont typeface="Arial" panose="020B0604020202020204" pitchFamily="34" charset="0"/>
+              <a:buChar char="•"/>
+            </a:pPr>
+            <a:endParaRPr lang="en-US" dirty="0"/>
+          </a:p>
+          <a:p>
+            <a:pPr marL="800100" lvl="1" indent="-342900">
+              <a:buFont typeface="Arial" panose="020B0604020202020204" pitchFamily="34" charset="0"/>
+              <a:buChar char="•"/>
+            </a:pPr>
+            <a:r>
+              <a:rPr lang="en-US" dirty="0"/>
+              <a:t>Number of videos may not be the reason as even the previous classifier (on full video) performance as bad as the new classifier (the one trained on extracted segments). </a:t>
+            </a:r>
+          </a:p>
+          <a:p>
+            <a:pPr marL="800100" lvl="1" indent="-342900">
+              <a:buFont typeface="Arial" panose="020B0604020202020204" pitchFamily="34" charset="0"/>
+              <a:buChar char="•"/>
+            </a:pPr>
+            <a:endParaRPr lang="en-US" dirty="0"/>
+          </a:p>
+          <a:p>
+            <a:pPr lvl="1"/>
+            <a:endParaRPr lang="en-US" dirty="0"/>
+          </a:p>
+          <a:p>
+            <a:pPr lvl="1"/>
+            <a:endParaRPr lang="en-US" dirty="0"/>
+          </a:p>
+          <a:p>
+            <a:pPr marL="800100" lvl="1" indent="-342900">
+              <a:buFont typeface="Arial" panose="020B0604020202020204" pitchFamily="34" charset="0"/>
+              <a:buChar char="•"/>
+            </a:pPr>
+            <a:endParaRPr lang="en-US" dirty="0"/>
+          </a:p>
+        </p:txBody>
+      </p:sp>
+    </p:spTree>
+    <p:extLst>
+      <p:ext uri="{BB962C8B-B14F-4D97-AF65-F5344CB8AC3E}">
+        <p14:creationId xmlns:p14="http://schemas.microsoft.com/office/powerpoint/2010/main" val="349729386"/>
+      </p:ext>
+    </p:extLst>
+  </p:cSld>
+  <p:clrMapOvr>
+    <a:masterClrMapping/>
+  </p:clrMapOvr>
+</p:sld>
+</file>
+
+<file path=ppt/slides/slide26.xml><?xml version="1.0" encoding="utf-8"?>
+<p:sld xmlns:a="http://schemas.openxmlformats.org/drawingml/2006/main" xmlns:r="http://schemas.openxmlformats.org/officeDocument/2006/relationships" xmlns:p="http://schemas.openxmlformats.org/presentationml/2006/main">
+  <p:cSld>
+    <p:spTree>
+      <p:nvGrpSpPr>
+        <p:cNvPr id="1" name=""/>
+        <p:cNvGrpSpPr/>
+        <p:nvPr/>
+      </p:nvGrpSpPr>
+      <p:grpSpPr>
+        <a:xfrm>
+          <a:off x="0" y="0"/>
+          <a:ext cx="0" cy="0"/>
+          <a:chOff x="0" y="0"/>
+          <a:chExt cx="0" cy="0"/>
+        </a:xfrm>
+      </p:grpSpPr>
+      <p:sp>
+        <p:nvSpPr>
+          <p:cNvPr id="2" name="Title 1">
+            <a:extLst>
+              <a:ext uri="{FF2B5EF4-FFF2-40B4-BE49-F238E27FC236}">
+                <a16:creationId xmlns:a16="http://schemas.microsoft.com/office/drawing/2014/main" id="{B059E0D2-B5FD-7EA3-F0CB-0CCD7FB4AAE9}"/>
+              </a:ext>
+            </a:extLst>
+          </p:cNvPr>
+          <p:cNvSpPr>
+            <a:spLocks noGrp="1"/>
+          </p:cNvSpPr>
+          <p:nvPr>
+            <p:ph type="title"/>
+          </p:nvPr>
+        </p:nvSpPr>
+        <p:spPr/>
+        <p:txBody>
+          <a:bodyPr/>
+          <a:lstStyle/>
+          <a:p>
+            <a:r>
+              <a:rPr lang="en-US" dirty="0"/>
               <a:t>Findings from Feature Analysis</a:t>
             </a:r>
           </a:p>
@@ -10934,7 +11123,7 @@
             <a:fld id="{A52BEA90-E6BE-45F4-8D5D-C2E01FE3DBCB}" type="slidenum">
               <a:rPr lang="en-US" smtClean="0"/>
               <a:pPr/>
-              <a:t>25</a:t>
+              <a:t>26</a:t>
             </a:fld>
             <a:endParaRPr lang="en-US" dirty="0"/>
           </a:p>
@@ -11237,126 +11426,6 @@
 </p:sld>
 </file>
 
-<file path=ppt/slides/slide26.xml><?xml version="1.0" encoding="utf-8"?>
-<p:sld xmlns:a="http://schemas.openxmlformats.org/drawingml/2006/main" xmlns:r="http://schemas.openxmlformats.org/officeDocument/2006/relationships" xmlns:p="http://schemas.openxmlformats.org/presentationml/2006/main">
-  <p:cSld>
-    <p:spTree>
-      <p:nvGrpSpPr>
-        <p:cNvPr id="1" name=""/>
-        <p:cNvGrpSpPr/>
-        <p:nvPr/>
-      </p:nvGrpSpPr>
-      <p:grpSpPr>
-        <a:xfrm>
-          <a:off x="0" y="0"/>
-          <a:ext cx="0" cy="0"/>
-          <a:chOff x="0" y="0"/>
-          <a:chExt cx="0" cy="0"/>
-        </a:xfrm>
-      </p:grpSpPr>
-      <p:sp>
-        <p:nvSpPr>
-          <p:cNvPr id="2" name="Title 1">
-            <a:extLst>
-              <a:ext uri="{FF2B5EF4-FFF2-40B4-BE49-F238E27FC236}">
-                <a16:creationId xmlns:a16="http://schemas.microsoft.com/office/drawing/2014/main" id="{AFA102D5-DFF4-8B47-2723-70F930703966}"/>
-              </a:ext>
-            </a:extLst>
-          </p:cNvPr>
-          <p:cNvSpPr>
-            <a:spLocks noGrp="1"/>
-          </p:cNvSpPr>
-          <p:nvPr>
-            <p:ph type="title"/>
-          </p:nvPr>
-        </p:nvSpPr>
-        <p:spPr/>
-        <p:txBody>
-          <a:bodyPr/>
-          <a:lstStyle/>
-          <a:p>
-            <a:r>
-              <a:rPr lang="en-US" dirty="0"/>
-              <a:t>Relationship between Extracted Features and Anomaly Indicators</a:t>
-            </a:r>
-          </a:p>
-        </p:txBody>
-      </p:sp>
-      <p:sp>
-        <p:nvSpPr>
-          <p:cNvPr id="3" name="Content Placeholder 2">
-            <a:extLst>
-              <a:ext uri="{FF2B5EF4-FFF2-40B4-BE49-F238E27FC236}">
-                <a16:creationId xmlns:a16="http://schemas.microsoft.com/office/drawing/2014/main" id="{7AC31B8F-8413-B64F-308F-0A0AB50B8A42}"/>
-              </a:ext>
-            </a:extLst>
-          </p:cNvPr>
-          <p:cNvSpPr>
-            <a:spLocks noGrp="1"/>
-          </p:cNvSpPr>
-          <p:nvPr>
-            <p:ph sz="quarter" idx="24"/>
-          </p:nvPr>
-        </p:nvSpPr>
-        <p:spPr>
-          <a:solidFill>
-            <a:schemeClr val="accent3">
-              <a:lumMod val="20000"/>
-              <a:lumOff val="80000"/>
-            </a:schemeClr>
-          </a:solidFill>
-        </p:spPr>
-        <p:txBody>
-          <a:bodyPr/>
-          <a:lstStyle/>
-          <a:p>
-            <a:endParaRPr lang="en-US" dirty="0"/>
-          </a:p>
-        </p:txBody>
-      </p:sp>
-      <p:sp>
-        <p:nvSpPr>
-          <p:cNvPr id="4" name="Slide Number Placeholder 3">
-            <a:extLst>
-              <a:ext uri="{FF2B5EF4-FFF2-40B4-BE49-F238E27FC236}">
-                <a16:creationId xmlns:a16="http://schemas.microsoft.com/office/drawing/2014/main" id="{8C46D826-4F8C-0FCB-9FDF-2AC78DE6FF9A}"/>
-              </a:ext>
-            </a:extLst>
-          </p:cNvPr>
-          <p:cNvSpPr>
-            <a:spLocks noGrp="1"/>
-          </p:cNvSpPr>
-          <p:nvPr>
-            <p:ph type="sldNum" sz="quarter" idx="17"/>
-          </p:nvPr>
-        </p:nvSpPr>
-        <p:spPr/>
-        <p:txBody>
-          <a:bodyPr/>
-          <a:lstStyle/>
-          <a:p>
-            <a:fld id="{A52BEA90-E6BE-45F4-8D5D-C2E01FE3DBCB}" type="slidenum">
-              <a:rPr lang="en-US" smtClean="0"/>
-              <a:pPr/>
-              <a:t>26</a:t>
-            </a:fld>
-            <a:endParaRPr lang="en-US" dirty="0"/>
-          </a:p>
-        </p:txBody>
-      </p:sp>
-    </p:spTree>
-    <p:extLst>
-      <p:ext uri="{BB962C8B-B14F-4D97-AF65-F5344CB8AC3E}">
-        <p14:creationId xmlns:p14="http://schemas.microsoft.com/office/powerpoint/2010/main" val="2827282477"/>
-      </p:ext>
-    </p:extLst>
-  </p:cSld>
-  <p:clrMapOvr>
-    <a:masterClrMapping/>
-  </p:clrMapOvr>
-</p:sld>
-</file>
-
 <file path=ppt/slides/slide27.xml><?xml version="1.0" encoding="utf-8"?>
 <p:sld xmlns:a="http://schemas.openxmlformats.org/drawingml/2006/main" xmlns:r="http://schemas.openxmlformats.org/officeDocument/2006/relationships" xmlns:p="http://schemas.openxmlformats.org/presentationml/2006/main">
   <p:cSld>
@@ -11379,7 +11448,7 @@
           <p:cNvPr id="2" name="Title 1">
             <a:extLst>
               <a:ext uri="{FF2B5EF4-FFF2-40B4-BE49-F238E27FC236}">
-                <a16:creationId xmlns:a16="http://schemas.microsoft.com/office/drawing/2014/main" id="{555D674E-F4E9-E486-E8E5-F30C757F4081}"/>
+                <a16:creationId xmlns:a16="http://schemas.microsoft.com/office/drawing/2014/main" id="{AFA102D5-DFF4-8B47-2723-70F930703966}"/>
               </a:ext>
             </a:extLst>
           </p:cNvPr>
@@ -11390,6 +11459,126 @@
             <p:ph type="title"/>
           </p:nvPr>
         </p:nvSpPr>
+        <p:spPr/>
+        <p:txBody>
+          <a:bodyPr/>
+          <a:lstStyle/>
+          <a:p>
+            <a:r>
+              <a:rPr lang="en-US" dirty="0"/>
+              <a:t>Relationship between Extracted Features and Anomaly Indicators</a:t>
+            </a:r>
+          </a:p>
+        </p:txBody>
+      </p:sp>
+      <p:sp>
+        <p:nvSpPr>
+          <p:cNvPr id="3" name="Content Placeholder 2">
+            <a:extLst>
+              <a:ext uri="{FF2B5EF4-FFF2-40B4-BE49-F238E27FC236}">
+                <a16:creationId xmlns:a16="http://schemas.microsoft.com/office/drawing/2014/main" id="{7AC31B8F-8413-B64F-308F-0A0AB50B8A42}"/>
+              </a:ext>
+            </a:extLst>
+          </p:cNvPr>
+          <p:cNvSpPr>
+            <a:spLocks noGrp="1"/>
+          </p:cNvSpPr>
+          <p:nvPr>
+            <p:ph sz="quarter" idx="24"/>
+          </p:nvPr>
+        </p:nvSpPr>
+        <p:spPr>
+          <a:solidFill>
+            <a:schemeClr val="accent3">
+              <a:lumMod val="20000"/>
+              <a:lumOff val="80000"/>
+            </a:schemeClr>
+          </a:solidFill>
+        </p:spPr>
+        <p:txBody>
+          <a:bodyPr/>
+          <a:lstStyle/>
+          <a:p>
+            <a:endParaRPr lang="en-US" dirty="0"/>
+          </a:p>
+        </p:txBody>
+      </p:sp>
+      <p:sp>
+        <p:nvSpPr>
+          <p:cNvPr id="4" name="Slide Number Placeholder 3">
+            <a:extLst>
+              <a:ext uri="{FF2B5EF4-FFF2-40B4-BE49-F238E27FC236}">
+                <a16:creationId xmlns:a16="http://schemas.microsoft.com/office/drawing/2014/main" id="{8C46D826-4F8C-0FCB-9FDF-2AC78DE6FF9A}"/>
+              </a:ext>
+            </a:extLst>
+          </p:cNvPr>
+          <p:cNvSpPr>
+            <a:spLocks noGrp="1"/>
+          </p:cNvSpPr>
+          <p:nvPr>
+            <p:ph type="sldNum" sz="quarter" idx="17"/>
+          </p:nvPr>
+        </p:nvSpPr>
+        <p:spPr/>
+        <p:txBody>
+          <a:bodyPr/>
+          <a:lstStyle/>
+          <a:p>
+            <a:fld id="{A52BEA90-E6BE-45F4-8D5D-C2E01FE3DBCB}" type="slidenum">
+              <a:rPr lang="en-US" smtClean="0"/>
+              <a:pPr/>
+              <a:t>27</a:t>
+            </a:fld>
+            <a:endParaRPr lang="en-US" dirty="0"/>
+          </a:p>
+        </p:txBody>
+      </p:sp>
+    </p:spTree>
+    <p:extLst>
+      <p:ext uri="{BB962C8B-B14F-4D97-AF65-F5344CB8AC3E}">
+        <p14:creationId xmlns:p14="http://schemas.microsoft.com/office/powerpoint/2010/main" val="2827282477"/>
+      </p:ext>
+    </p:extLst>
+  </p:cSld>
+  <p:clrMapOvr>
+    <a:masterClrMapping/>
+  </p:clrMapOvr>
+</p:sld>
+</file>
+
+<file path=ppt/slides/slide28.xml><?xml version="1.0" encoding="utf-8"?>
+<p:sld xmlns:a="http://schemas.openxmlformats.org/drawingml/2006/main" xmlns:r="http://schemas.openxmlformats.org/officeDocument/2006/relationships" xmlns:p="http://schemas.openxmlformats.org/presentationml/2006/main">
+  <p:cSld>
+    <p:spTree>
+      <p:nvGrpSpPr>
+        <p:cNvPr id="1" name=""/>
+        <p:cNvGrpSpPr/>
+        <p:nvPr/>
+      </p:nvGrpSpPr>
+      <p:grpSpPr>
+        <a:xfrm>
+          <a:off x="0" y="0"/>
+          <a:ext cx="0" cy="0"/>
+          <a:chOff x="0" y="0"/>
+          <a:chExt cx="0" cy="0"/>
+        </a:xfrm>
+      </p:grpSpPr>
+      <p:sp>
+        <p:nvSpPr>
+          <p:cNvPr id="2" name="Title 1">
+            <a:extLst>
+              <a:ext uri="{FF2B5EF4-FFF2-40B4-BE49-F238E27FC236}">
+                <a16:creationId xmlns:a16="http://schemas.microsoft.com/office/drawing/2014/main" id="{555D674E-F4E9-E486-E8E5-F30C757F4081}"/>
+              </a:ext>
+            </a:extLst>
+          </p:cNvPr>
+          <p:cNvSpPr>
+            <a:spLocks noGrp="1"/>
+          </p:cNvSpPr>
+          <p:nvPr>
+            <p:ph type="title"/>
+          </p:nvPr>
+        </p:nvSpPr>
         <p:spPr>
           <a:xfrm>
             <a:off x="651587" y="249687"/>
@@ -11431,7 +11620,7 @@
             <a:fld id="{A52BEA90-E6BE-45F4-8D5D-C2E01FE3DBCB}" type="slidenum">
               <a:rPr lang="en-US" smtClean="0"/>
               <a:pPr/>
-              <a:t>27</a:t>
+              <a:t>28</a:t>
             </a:fld>
             <a:endParaRPr lang="en-US" dirty="0"/>
           </a:p>
@@ -11478,141 +11667,6 @@
 </p:sld>
 </file>
 
-<file path=ppt/slides/slide28.xml><?xml version="1.0" encoding="utf-8"?>
-<p:sld xmlns:a="http://schemas.openxmlformats.org/drawingml/2006/main" xmlns:r="http://schemas.openxmlformats.org/officeDocument/2006/relationships" xmlns:p="http://schemas.openxmlformats.org/presentationml/2006/main">
-  <p:cSld>
-    <p:spTree>
-      <p:nvGrpSpPr>
-        <p:cNvPr id="1" name=""/>
-        <p:cNvGrpSpPr/>
-        <p:nvPr/>
-      </p:nvGrpSpPr>
-      <p:grpSpPr>
-        <a:xfrm>
-          <a:off x="0" y="0"/>
-          <a:ext cx="0" cy="0"/>
-          <a:chOff x="0" y="0"/>
-          <a:chExt cx="0" cy="0"/>
-        </a:xfrm>
-      </p:grpSpPr>
-      <p:sp>
-        <p:nvSpPr>
-          <p:cNvPr id="2" name="Title 1">
-            <a:extLst>
-              <a:ext uri="{FF2B5EF4-FFF2-40B4-BE49-F238E27FC236}">
-                <a16:creationId xmlns:a16="http://schemas.microsoft.com/office/drawing/2014/main" id="{D1F8DBD8-3932-49D3-D241-41D7C6E8453F}"/>
-              </a:ext>
-            </a:extLst>
-          </p:cNvPr>
-          <p:cNvSpPr>
-            <a:spLocks noGrp="1"/>
-          </p:cNvSpPr>
-          <p:nvPr>
-            <p:ph type="title"/>
-          </p:nvPr>
-        </p:nvSpPr>
-        <p:spPr/>
-        <p:txBody>
-          <a:bodyPr/>
-          <a:lstStyle/>
-          <a:p>
-            <a:r>
-              <a:rPr lang="en-US" dirty="0"/>
-              <a:t>Ideas</a:t>
-            </a:r>
-          </a:p>
-        </p:txBody>
-      </p:sp>
-      <p:sp>
-        <p:nvSpPr>
-          <p:cNvPr id="4" name="Slide Number Placeholder 3">
-            <a:extLst>
-              <a:ext uri="{FF2B5EF4-FFF2-40B4-BE49-F238E27FC236}">
-                <a16:creationId xmlns:a16="http://schemas.microsoft.com/office/drawing/2014/main" id="{86A26943-AC81-BBB5-9DA0-17A3FEC80C1D}"/>
-              </a:ext>
-            </a:extLst>
-          </p:cNvPr>
-          <p:cNvSpPr>
-            <a:spLocks noGrp="1"/>
-          </p:cNvSpPr>
-          <p:nvPr>
-            <p:ph type="sldNum" sz="quarter" idx="17"/>
-          </p:nvPr>
-        </p:nvSpPr>
-        <p:spPr/>
-        <p:txBody>
-          <a:bodyPr/>
-          <a:lstStyle/>
-          <a:p>
-            <a:fld id="{A52BEA90-E6BE-45F4-8D5D-C2E01FE3DBCB}" type="slidenum">
-              <a:rPr lang="en-US" smtClean="0"/>
-              <a:pPr/>
-              <a:t>28</a:t>
-            </a:fld>
-            <a:endParaRPr lang="en-US" dirty="0"/>
-          </a:p>
-        </p:txBody>
-      </p:sp>
-      <p:sp>
-        <p:nvSpPr>
-          <p:cNvPr id="5" name="TextBox 4">
-            <a:extLst>
-              <a:ext uri="{FF2B5EF4-FFF2-40B4-BE49-F238E27FC236}">
-                <a16:creationId xmlns:a16="http://schemas.microsoft.com/office/drawing/2014/main" id="{40ACF04A-B9E3-BCFD-73FA-35EDF0FCE5A3}"/>
-              </a:ext>
-            </a:extLst>
-          </p:cNvPr>
-          <p:cNvSpPr txBox="1"/>
-          <p:nvPr/>
-        </p:nvSpPr>
-        <p:spPr>
-          <a:xfrm>
-            <a:off x="718457" y="1586204"/>
-            <a:ext cx="10798790" cy="646331"/>
-          </a:xfrm>
-          <a:prstGeom prst="rect">
-            <a:avLst/>
-          </a:prstGeom>
-          <a:noFill/>
-        </p:spPr>
-        <p:txBody>
-          <a:bodyPr wrap="none" rtlCol="0">
-            <a:spAutoFit/>
-          </a:bodyPr>
-          <a:lstStyle/>
-          <a:p>
-            <a:pPr marL="342900" indent="-342900">
-              <a:buAutoNum type="arabicPeriod"/>
-            </a:pPr>
-            <a:r>
-              <a:rPr lang="en-US" dirty="0"/>
-              <a:t>Frames within Videos and Slices within Frames to localize the anomaly – use attention over the slices</a:t>
-            </a:r>
-          </a:p>
-          <a:p>
-            <a:pPr marL="342900" indent="-342900">
-              <a:buAutoNum type="arabicPeriod"/>
-            </a:pPr>
-            <a:r>
-              <a:rPr lang="en-US" dirty="0"/>
-              <a:t>Integrate attention into the weakly supervised learning process</a:t>
-            </a:r>
-          </a:p>
-        </p:txBody>
-      </p:sp>
-    </p:spTree>
-    <p:extLst>
-      <p:ext uri="{BB962C8B-B14F-4D97-AF65-F5344CB8AC3E}">
-        <p14:creationId xmlns:p14="http://schemas.microsoft.com/office/powerpoint/2010/main" val="3196061417"/>
-      </p:ext>
-    </p:extLst>
-  </p:cSld>
-  <p:clrMapOvr>
-    <a:masterClrMapping/>
-  </p:clrMapOvr>
-</p:sld>
-</file>
-
 <file path=ppt/slides/slide29.xml><?xml version="1.0" encoding="utf-8"?>
 <p:sld xmlns:a="http://schemas.openxmlformats.org/drawingml/2006/main" xmlns:r="http://schemas.openxmlformats.org/officeDocument/2006/relationships" xmlns:p="http://schemas.openxmlformats.org/presentationml/2006/main">
   <p:cSld>
@@ -11635,7 +11689,7 @@
           <p:cNvPr id="2" name="Title 1">
             <a:extLst>
               <a:ext uri="{FF2B5EF4-FFF2-40B4-BE49-F238E27FC236}">
-                <a16:creationId xmlns:a16="http://schemas.microsoft.com/office/drawing/2014/main" id="{C5310572-A32F-5A03-C062-DC6D449151BF}"/>
+                <a16:creationId xmlns:a16="http://schemas.microsoft.com/office/drawing/2014/main" id="{D1F8DBD8-3932-49D3-D241-41D7C6E8453F}"/>
               </a:ext>
             </a:extLst>
           </p:cNvPr>
@@ -11651,7 +11705,10 @@
           <a:bodyPr/>
           <a:lstStyle/>
           <a:p>
-            <a:endParaRPr lang="en-US"/>
+            <a:r>
+              <a:rPr lang="en-US" dirty="0"/>
+              <a:t>Ideas</a:t>
+            </a:r>
           </a:p>
         </p:txBody>
       </p:sp>
@@ -11660,7 +11717,7 @@
           <p:cNvPr id="4" name="Slide Number Placeholder 3">
             <a:extLst>
               <a:ext uri="{FF2B5EF4-FFF2-40B4-BE49-F238E27FC236}">
-                <a16:creationId xmlns:a16="http://schemas.microsoft.com/office/drawing/2014/main" id="{1620EC86-4D49-8813-7972-8B35A62A5390}"/>
+                <a16:creationId xmlns:a16="http://schemas.microsoft.com/office/drawing/2014/main" id="{86A26943-AC81-BBB5-9DA0-17A3FEC80C1D}"/>
               </a:ext>
             </a:extLst>
           </p:cNvPr>
@@ -11680,6 +11737,543 @@
               <a:rPr lang="en-US" smtClean="0"/>
               <a:pPr/>
               <a:t>29</a:t>
+            </a:fld>
+            <a:endParaRPr lang="en-US" dirty="0"/>
+          </a:p>
+        </p:txBody>
+      </p:sp>
+      <p:sp>
+        <p:nvSpPr>
+          <p:cNvPr id="5" name="TextBox 4">
+            <a:extLst>
+              <a:ext uri="{FF2B5EF4-FFF2-40B4-BE49-F238E27FC236}">
+                <a16:creationId xmlns:a16="http://schemas.microsoft.com/office/drawing/2014/main" id="{40ACF04A-B9E3-BCFD-73FA-35EDF0FCE5A3}"/>
+              </a:ext>
+            </a:extLst>
+          </p:cNvPr>
+          <p:cNvSpPr txBox="1"/>
+          <p:nvPr/>
+        </p:nvSpPr>
+        <p:spPr>
+          <a:xfrm>
+            <a:off x="718457" y="1586204"/>
+            <a:ext cx="10798790" cy="646331"/>
+          </a:xfrm>
+          <a:prstGeom prst="rect">
+            <a:avLst/>
+          </a:prstGeom>
+          <a:noFill/>
+        </p:spPr>
+        <p:txBody>
+          <a:bodyPr wrap="none" rtlCol="0">
+            <a:spAutoFit/>
+          </a:bodyPr>
+          <a:lstStyle/>
+          <a:p>
+            <a:pPr marL="342900" indent="-342900">
+              <a:buAutoNum type="arabicPeriod"/>
+            </a:pPr>
+            <a:r>
+              <a:rPr lang="en-US" dirty="0"/>
+              <a:t>Frames within Videos and Slices within Frames to localize the anomaly – use attention over the slices</a:t>
+            </a:r>
+          </a:p>
+          <a:p>
+            <a:pPr marL="342900" indent="-342900">
+              <a:buAutoNum type="arabicPeriod"/>
+            </a:pPr>
+            <a:r>
+              <a:rPr lang="en-US" dirty="0"/>
+              <a:t>Integrate attention into the weakly supervised learning process</a:t>
+            </a:r>
+          </a:p>
+        </p:txBody>
+      </p:sp>
+    </p:spTree>
+    <p:extLst>
+      <p:ext uri="{BB962C8B-B14F-4D97-AF65-F5344CB8AC3E}">
+        <p14:creationId xmlns:p14="http://schemas.microsoft.com/office/powerpoint/2010/main" val="3196061417"/>
+      </p:ext>
+    </p:extLst>
+  </p:cSld>
+  <p:clrMapOvr>
+    <a:masterClrMapping/>
+  </p:clrMapOvr>
+</p:sld>
+</file>
+
+<file path=ppt/slides/slide3.xml><?xml version="1.0" encoding="utf-8"?>
+<p:sld xmlns:a="http://schemas.openxmlformats.org/drawingml/2006/main" xmlns:r="http://schemas.openxmlformats.org/officeDocument/2006/relationships" xmlns:p="http://schemas.openxmlformats.org/presentationml/2006/main">
+  <p:cSld>
+    <p:spTree>
+      <p:nvGrpSpPr>
+        <p:cNvPr id="1" name=""/>
+        <p:cNvGrpSpPr/>
+        <p:nvPr/>
+      </p:nvGrpSpPr>
+      <p:grpSpPr>
+        <a:xfrm>
+          <a:off x="0" y="0"/>
+          <a:ext cx="0" cy="0"/>
+          <a:chOff x="0" y="0"/>
+          <a:chExt cx="0" cy="0"/>
+        </a:xfrm>
+      </p:grpSpPr>
+      <p:sp>
+        <p:nvSpPr>
+          <p:cNvPr id="2" name="Title 1">
+            <a:extLst>
+              <a:ext uri="{FF2B5EF4-FFF2-40B4-BE49-F238E27FC236}">
+                <a16:creationId xmlns:a16="http://schemas.microsoft.com/office/drawing/2014/main" id="{900CC1EC-F657-7DB0-A912-C30F2E288EA5}"/>
+              </a:ext>
+            </a:extLst>
+          </p:cNvPr>
+          <p:cNvSpPr>
+            <a:spLocks noGrp="1"/>
+          </p:cNvSpPr>
+          <p:nvPr>
+            <p:ph type="title"/>
+          </p:nvPr>
+        </p:nvSpPr>
+        <p:spPr/>
+        <p:txBody>
+          <a:bodyPr/>
+          <a:lstStyle/>
+          <a:p>
+            <a:r>
+              <a:rPr lang="en-US" dirty="0" err="1"/>
+              <a:t>Load_video_from_dataset</a:t>
+            </a:r>
+            <a:endParaRPr lang="en-US" dirty="0"/>
+          </a:p>
+        </p:txBody>
+      </p:sp>
+      <p:sp>
+        <p:nvSpPr>
+          <p:cNvPr id="4" name="Slide Number Placeholder 3">
+            <a:extLst>
+              <a:ext uri="{FF2B5EF4-FFF2-40B4-BE49-F238E27FC236}">
+                <a16:creationId xmlns:a16="http://schemas.microsoft.com/office/drawing/2014/main" id="{83250161-0A30-14D2-82FC-BE9AE7B18B09}"/>
+              </a:ext>
+            </a:extLst>
+          </p:cNvPr>
+          <p:cNvSpPr>
+            <a:spLocks noGrp="1"/>
+          </p:cNvSpPr>
+          <p:nvPr>
+            <p:ph type="sldNum" sz="quarter" idx="17"/>
+          </p:nvPr>
+        </p:nvSpPr>
+        <p:spPr/>
+        <p:txBody>
+          <a:bodyPr/>
+          <a:lstStyle/>
+          <a:p>
+            <a:fld id="{A52BEA90-E6BE-45F4-8D5D-C2E01FE3DBCB}" type="slidenum">
+              <a:rPr lang="en-US" smtClean="0"/>
+              <a:pPr/>
+              <a:t>3</a:t>
+            </a:fld>
+            <a:endParaRPr lang="en-US" dirty="0"/>
+          </a:p>
+        </p:txBody>
+      </p:sp>
+      <p:sp>
+        <p:nvSpPr>
+          <p:cNvPr id="6" name="TextBox 5">
+            <a:extLst>
+              <a:ext uri="{FF2B5EF4-FFF2-40B4-BE49-F238E27FC236}">
+                <a16:creationId xmlns:a16="http://schemas.microsoft.com/office/drawing/2014/main" id="{968DBB06-6E3B-D39F-A4BE-019C43545632}"/>
+              </a:ext>
+            </a:extLst>
+          </p:cNvPr>
+          <p:cNvSpPr txBox="1"/>
+          <p:nvPr/>
+        </p:nvSpPr>
+        <p:spPr>
+          <a:xfrm>
+            <a:off x="1026160" y="1572736"/>
+            <a:ext cx="8879840" cy="923330"/>
+          </a:xfrm>
+          <a:prstGeom prst="rect">
+            <a:avLst/>
+          </a:prstGeom>
+          <a:noFill/>
+        </p:spPr>
+        <p:txBody>
+          <a:bodyPr wrap="square">
+            <a:spAutoFit/>
+          </a:bodyPr>
+          <a:lstStyle/>
+          <a:p>
+            <a:r>
+              <a:rPr lang="en-US" sz="1800" dirty="0">
+                <a:solidFill>
+                  <a:srgbClr val="A9B7C6"/>
+                </a:solidFill>
+                <a:effectLst/>
+                <a:latin typeface="JetBrains Mono"/>
+              </a:rPr>
+              <a:t>dataset = </a:t>
+            </a:r>
+            <a:r>
+              <a:rPr lang="en-US" sz="1800" dirty="0" err="1">
+                <a:solidFill>
+                  <a:srgbClr val="A9B7C6"/>
+                </a:solidFill>
+                <a:effectLst/>
+                <a:latin typeface="JetBrains Mono"/>
+              </a:rPr>
+              <a:t>MultiZipVideoDataset</a:t>
+            </a:r>
+            <a:r>
+              <a:rPr lang="en-US" sz="1800" dirty="0">
+                <a:solidFill>
+                  <a:srgbClr val="A9B7C6"/>
+                </a:solidFill>
+                <a:effectLst/>
+                <a:latin typeface="JetBrains Mono"/>
+              </a:rPr>
+              <a:t>(</a:t>
+            </a:r>
+            <a:r>
+              <a:rPr lang="en-US" sz="1800" dirty="0" err="1">
+                <a:solidFill>
+                  <a:srgbClr val="AA4926"/>
+                </a:solidFill>
+                <a:effectLst/>
+                <a:latin typeface="JetBrains Mono"/>
+              </a:rPr>
+              <a:t>zip_file_paths</a:t>
+            </a:r>
+            <a:r>
+              <a:rPr lang="en-US" sz="1800" dirty="0">
+                <a:solidFill>
+                  <a:srgbClr val="A9B7C6"/>
+                </a:solidFill>
+                <a:effectLst/>
+                <a:latin typeface="JetBrains Mono"/>
+              </a:rPr>
+              <a:t>=</a:t>
+            </a:r>
+            <a:r>
+              <a:rPr lang="en-US" sz="1800" dirty="0" err="1">
+                <a:solidFill>
+                  <a:srgbClr val="A9B7C6"/>
+                </a:solidFill>
+                <a:effectLst/>
+                <a:latin typeface="JetBrains Mono"/>
+              </a:rPr>
+              <a:t>zip_file_paths</a:t>
+            </a:r>
+            <a:r>
+              <a:rPr lang="en-US" sz="1800" dirty="0">
+                <a:solidFill>
+                  <a:srgbClr val="CC7832"/>
+                </a:solidFill>
+                <a:effectLst/>
+                <a:latin typeface="JetBrains Mono"/>
+              </a:rPr>
+              <a:t>, </a:t>
+            </a:r>
+            <a:r>
+              <a:rPr lang="en-US" sz="1800" dirty="0">
+                <a:solidFill>
+                  <a:srgbClr val="AA4926"/>
+                </a:solidFill>
+                <a:effectLst/>
+                <a:latin typeface="JetBrains Mono"/>
+              </a:rPr>
+              <a:t>transform</a:t>
+            </a:r>
+            <a:r>
+              <a:rPr lang="en-US" sz="1800" dirty="0">
+                <a:solidFill>
+                  <a:srgbClr val="A9B7C6"/>
+                </a:solidFill>
+                <a:effectLst/>
+                <a:latin typeface="JetBrains Mono"/>
+              </a:rPr>
+              <a:t>=</a:t>
+            </a:r>
+            <a:r>
+              <a:rPr lang="en-US" sz="1800" dirty="0">
+                <a:solidFill>
+                  <a:srgbClr val="CC7832"/>
+                </a:solidFill>
+                <a:effectLst/>
+                <a:latin typeface="JetBrains Mono"/>
+              </a:rPr>
+              <a:t>None</a:t>
+            </a:r>
+            <a:r>
+              <a:rPr lang="en-US" sz="1800" dirty="0">
+                <a:solidFill>
+                  <a:srgbClr val="A9B7C6"/>
+                </a:solidFill>
+                <a:effectLst/>
+                <a:latin typeface="JetBrains Mono"/>
+              </a:rPr>
+              <a:t>)</a:t>
+            </a:r>
+            <a:br>
+              <a:rPr lang="en-US" sz="1800" dirty="0">
+                <a:solidFill>
+                  <a:srgbClr val="A9B7C6"/>
+                </a:solidFill>
+                <a:effectLst/>
+                <a:latin typeface="JetBrains Mono"/>
+              </a:rPr>
+            </a:br>
+            <a:r>
+              <a:rPr lang="en-US" sz="1800" dirty="0" err="1">
+                <a:solidFill>
+                  <a:srgbClr val="A9B7C6"/>
+                </a:solidFill>
+                <a:effectLst/>
+                <a:latin typeface="JetBrains Mono"/>
+              </a:rPr>
+              <a:t>dataloader</a:t>
+            </a:r>
+            <a:r>
+              <a:rPr lang="en-US" sz="1800" dirty="0">
+                <a:solidFill>
+                  <a:srgbClr val="A9B7C6"/>
+                </a:solidFill>
+                <a:effectLst/>
+                <a:latin typeface="JetBrains Mono"/>
+              </a:rPr>
+              <a:t> = </a:t>
+            </a:r>
+            <a:r>
+              <a:rPr lang="en-US" sz="1800" dirty="0" err="1">
+                <a:solidFill>
+                  <a:srgbClr val="A9B7C6"/>
+                </a:solidFill>
+                <a:effectLst/>
+                <a:latin typeface="JetBrains Mono"/>
+              </a:rPr>
+              <a:t>torch.utils.data.DataLoader</a:t>
+            </a:r>
+            <a:r>
+              <a:rPr lang="en-US" sz="1800" dirty="0">
+                <a:solidFill>
+                  <a:srgbClr val="A9B7C6"/>
+                </a:solidFill>
+                <a:effectLst/>
+                <a:latin typeface="JetBrains Mono"/>
+              </a:rPr>
+              <a:t>(dataset</a:t>
+            </a:r>
+            <a:r>
+              <a:rPr lang="en-US" sz="1800" dirty="0">
+                <a:solidFill>
+                  <a:srgbClr val="CC7832"/>
+                </a:solidFill>
+                <a:effectLst/>
+                <a:latin typeface="JetBrains Mono"/>
+              </a:rPr>
+              <a:t>, </a:t>
+            </a:r>
+            <a:r>
+              <a:rPr lang="en-US" sz="1800" dirty="0" err="1">
+                <a:solidFill>
+                  <a:srgbClr val="AA4926"/>
+                </a:solidFill>
+                <a:effectLst/>
+                <a:latin typeface="JetBrains Mono"/>
+              </a:rPr>
+              <a:t>batch_size</a:t>
+            </a:r>
+            <a:r>
+              <a:rPr lang="en-US" sz="1800" dirty="0">
+                <a:solidFill>
+                  <a:srgbClr val="A9B7C6"/>
+                </a:solidFill>
+                <a:effectLst/>
+                <a:latin typeface="JetBrains Mono"/>
+              </a:rPr>
+              <a:t>=</a:t>
+            </a:r>
+            <a:r>
+              <a:rPr lang="en-US" sz="1800" dirty="0">
+                <a:solidFill>
+                  <a:srgbClr val="6897BB"/>
+                </a:solidFill>
+                <a:effectLst/>
+                <a:latin typeface="JetBrains Mono"/>
+              </a:rPr>
+              <a:t>32</a:t>
+            </a:r>
+            <a:r>
+              <a:rPr lang="en-US" sz="1800" dirty="0">
+                <a:solidFill>
+                  <a:srgbClr val="CC7832"/>
+                </a:solidFill>
+                <a:effectLst/>
+                <a:latin typeface="JetBrains Mono"/>
+              </a:rPr>
+              <a:t>, </a:t>
+            </a:r>
+            <a:r>
+              <a:rPr lang="en-US" sz="1800" dirty="0">
+                <a:solidFill>
+                  <a:srgbClr val="AA4926"/>
+                </a:solidFill>
+                <a:effectLst/>
+                <a:latin typeface="JetBrains Mono"/>
+              </a:rPr>
+              <a:t>shuffle</a:t>
+            </a:r>
+            <a:r>
+              <a:rPr lang="en-US" sz="1800" dirty="0">
+                <a:solidFill>
+                  <a:srgbClr val="A9B7C6"/>
+                </a:solidFill>
+                <a:effectLst/>
+                <a:latin typeface="JetBrains Mono"/>
+              </a:rPr>
+              <a:t>=</a:t>
+            </a:r>
+            <a:r>
+              <a:rPr lang="en-US" sz="1800" dirty="0">
+                <a:solidFill>
+                  <a:srgbClr val="CC7832"/>
+                </a:solidFill>
+                <a:effectLst/>
+                <a:latin typeface="JetBrains Mono"/>
+              </a:rPr>
+              <a:t>True</a:t>
+            </a:r>
+            <a:r>
+              <a:rPr lang="en-US" sz="1800" dirty="0">
+                <a:solidFill>
+                  <a:srgbClr val="A9B7C6"/>
+                </a:solidFill>
+                <a:effectLst/>
+                <a:latin typeface="JetBrains Mono"/>
+              </a:rPr>
+              <a:t>)</a:t>
+            </a:r>
+            <a:br>
+              <a:rPr lang="en-US" sz="1800" dirty="0">
+                <a:solidFill>
+                  <a:srgbClr val="A9B7C6"/>
+                </a:solidFill>
+                <a:effectLst/>
+                <a:latin typeface="JetBrains Mono"/>
+              </a:rPr>
+            </a:br>
+            <a:r>
+              <a:rPr lang="en-US" sz="1800" dirty="0">
+                <a:solidFill>
+                  <a:srgbClr val="A9B7C6"/>
+                </a:solidFill>
+                <a:effectLst/>
+                <a:latin typeface="JetBrains Mono"/>
+              </a:rPr>
+              <a:t>samples = </a:t>
+            </a:r>
+            <a:r>
+              <a:rPr lang="en-US" sz="1800" dirty="0" err="1">
+                <a:solidFill>
+                  <a:srgbClr val="A9B7C6"/>
+                </a:solidFill>
+                <a:effectLst/>
+                <a:latin typeface="JetBrains Mono"/>
+              </a:rPr>
+              <a:t>dataset.samples</a:t>
+            </a:r>
+            <a:endParaRPr lang="en-US" sz="1800" dirty="0">
+              <a:solidFill>
+                <a:srgbClr val="A9B7C6"/>
+              </a:solidFill>
+              <a:effectLst/>
+              <a:latin typeface="JetBrains Mono"/>
+            </a:endParaRPr>
+          </a:p>
+        </p:txBody>
+      </p:sp>
+    </p:spTree>
+    <p:extLst>
+      <p:ext uri="{BB962C8B-B14F-4D97-AF65-F5344CB8AC3E}">
+        <p14:creationId xmlns:p14="http://schemas.microsoft.com/office/powerpoint/2010/main" val="3968011227"/>
+      </p:ext>
+    </p:extLst>
+  </p:cSld>
+  <p:clrMapOvr>
+    <a:masterClrMapping/>
+  </p:clrMapOvr>
+</p:sld>
+</file>
+
+<file path=ppt/slides/slide30.xml><?xml version="1.0" encoding="utf-8"?>
+<p:sld xmlns:a="http://schemas.openxmlformats.org/drawingml/2006/main" xmlns:r="http://schemas.openxmlformats.org/officeDocument/2006/relationships" xmlns:p="http://schemas.openxmlformats.org/presentationml/2006/main">
+  <p:cSld>
+    <p:spTree>
+      <p:nvGrpSpPr>
+        <p:cNvPr id="1" name=""/>
+        <p:cNvGrpSpPr/>
+        <p:nvPr/>
+      </p:nvGrpSpPr>
+      <p:grpSpPr>
+        <a:xfrm>
+          <a:off x="0" y="0"/>
+          <a:ext cx="0" cy="0"/>
+          <a:chOff x="0" y="0"/>
+          <a:chExt cx="0" cy="0"/>
+        </a:xfrm>
+      </p:grpSpPr>
+      <p:sp>
+        <p:nvSpPr>
+          <p:cNvPr id="2" name="Title 1">
+            <a:extLst>
+              <a:ext uri="{FF2B5EF4-FFF2-40B4-BE49-F238E27FC236}">
+                <a16:creationId xmlns:a16="http://schemas.microsoft.com/office/drawing/2014/main" id="{C5310572-A32F-5A03-C062-DC6D449151BF}"/>
+              </a:ext>
+            </a:extLst>
+          </p:cNvPr>
+          <p:cNvSpPr>
+            <a:spLocks noGrp="1"/>
+          </p:cNvSpPr>
+          <p:nvPr>
+            <p:ph type="title"/>
+          </p:nvPr>
+        </p:nvSpPr>
+        <p:spPr/>
+        <p:txBody>
+          <a:bodyPr/>
+          <a:lstStyle/>
+          <a:p>
+            <a:endParaRPr lang="en-US"/>
+          </a:p>
+        </p:txBody>
+      </p:sp>
+      <p:sp>
+        <p:nvSpPr>
+          <p:cNvPr id="4" name="Slide Number Placeholder 3">
+            <a:extLst>
+              <a:ext uri="{FF2B5EF4-FFF2-40B4-BE49-F238E27FC236}">
+                <a16:creationId xmlns:a16="http://schemas.microsoft.com/office/drawing/2014/main" id="{1620EC86-4D49-8813-7972-8B35A62A5390}"/>
+              </a:ext>
+            </a:extLst>
+          </p:cNvPr>
+          <p:cNvSpPr>
+            <a:spLocks noGrp="1"/>
+          </p:cNvSpPr>
+          <p:nvPr>
+            <p:ph type="sldNum" sz="quarter" idx="17"/>
+          </p:nvPr>
+        </p:nvSpPr>
+        <p:spPr/>
+        <p:txBody>
+          <a:bodyPr/>
+          <a:lstStyle/>
+          <a:p>
+            <a:fld id="{A52BEA90-E6BE-45F4-8D5D-C2E01FE3DBCB}" type="slidenum">
+              <a:rPr lang="en-US" smtClean="0"/>
+              <a:pPr/>
+              <a:t>30</a:t>
             </a:fld>
             <a:endParaRPr lang="en-US" dirty="0"/>
           </a:p>
@@ -11728,7 +12322,7 @@
 </p:sld>
 </file>
 
-<file path=ppt/slides/slide3.xml><?xml version="1.0" encoding="utf-8"?>
+<file path=ppt/slides/slide31.xml><?xml version="1.0" encoding="utf-8"?>
 <p:sld xmlns:a="http://schemas.openxmlformats.org/drawingml/2006/main" xmlns:r="http://schemas.openxmlformats.org/officeDocument/2006/relationships" xmlns:p="http://schemas.openxmlformats.org/presentationml/2006/main">
   <p:cSld>
     <p:spTree>
@@ -11750,7 +12344,7 @@
           <p:cNvPr id="2" name="Title 1">
             <a:extLst>
               <a:ext uri="{FF2B5EF4-FFF2-40B4-BE49-F238E27FC236}">
-                <a16:creationId xmlns:a16="http://schemas.microsoft.com/office/drawing/2014/main" id="{900CC1EC-F657-7DB0-A912-C30F2E288EA5}"/>
+                <a16:creationId xmlns:a16="http://schemas.microsoft.com/office/drawing/2014/main" id="{25B7B3AC-6DAD-D9F7-20F8-14207C49D88F}"/>
               </a:ext>
             </a:extLst>
           </p:cNvPr>
@@ -11767,10 +12361,9 @@
           <a:lstStyle/>
           <a:p>
             <a:r>
-              <a:rPr lang="en-US" dirty="0" err="1"/>
-              <a:t>Load_video_from_dataset</a:t>
-            </a:r>
-            <a:endParaRPr lang="en-US" dirty="0"/>
+              <a:rPr lang="en-US" dirty="0"/>
+              <a:t>Transformer for Video - Notes</a:t>
+            </a:r>
           </a:p>
         </p:txBody>
       </p:sp>
@@ -11779,7 +12372,7 @@
           <p:cNvPr id="4" name="Slide Number Placeholder 3">
             <a:extLst>
               <a:ext uri="{FF2B5EF4-FFF2-40B4-BE49-F238E27FC236}">
-                <a16:creationId xmlns:a16="http://schemas.microsoft.com/office/drawing/2014/main" id="{83250161-0A30-14D2-82FC-BE9AE7B18B09}"/>
+                <a16:creationId xmlns:a16="http://schemas.microsoft.com/office/drawing/2014/main" id="{90C23A24-EB48-74BA-F4FD-FED43DDD1A18}"/>
               </a:ext>
             </a:extLst>
           </p:cNvPr>
@@ -11798,411 +12391,7 @@
             <a:fld id="{A52BEA90-E6BE-45F4-8D5D-C2E01FE3DBCB}" type="slidenum">
               <a:rPr lang="en-US" smtClean="0"/>
               <a:pPr/>
-              <a:t>3</a:t>
-            </a:fld>
-            <a:endParaRPr lang="en-US" dirty="0"/>
-          </a:p>
-        </p:txBody>
-      </p:sp>
-      <p:sp>
-        <p:nvSpPr>
-          <p:cNvPr id="6" name="TextBox 5">
-            <a:extLst>
-              <a:ext uri="{FF2B5EF4-FFF2-40B4-BE49-F238E27FC236}">
-                <a16:creationId xmlns:a16="http://schemas.microsoft.com/office/drawing/2014/main" id="{968DBB06-6E3B-D39F-A4BE-019C43545632}"/>
-              </a:ext>
-            </a:extLst>
-          </p:cNvPr>
-          <p:cNvSpPr txBox="1"/>
-          <p:nvPr/>
-        </p:nvSpPr>
-        <p:spPr>
-          <a:xfrm>
-            <a:off x="1026160" y="1572736"/>
-            <a:ext cx="8879840" cy="923330"/>
-          </a:xfrm>
-          <a:prstGeom prst="rect">
-            <a:avLst/>
-          </a:prstGeom>
-          <a:noFill/>
-        </p:spPr>
-        <p:txBody>
-          <a:bodyPr wrap="square">
-            <a:spAutoFit/>
-          </a:bodyPr>
-          <a:lstStyle/>
-          <a:p>
-            <a:r>
-              <a:rPr lang="en-US" sz="1800" dirty="0">
-                <a:solidFill>
-                  <a:srgbClr val="A9B7C6"/>
-                </a:solidFill>
-                <a:effectLst/>
-                <a:latin typeface="JetBrains Mono"/>
-              </a:rPr>
-              <a:t>dataset = </a:t>
-            </a:r>
-            <a:r>
-              <a:rPr lang="en-US" sz="1800" dirty="0" err="1">
-                <a:solidFill>
-                  <a:srgbClr val="A9B7C6"/>
-                </a:solidFill>
-                <a:effectLst/>
-                <a:latin typeface="JetBrains Mono"/>
-              </a:rPr>
-              <a:t>MultiZipVideoDataset</a:t>
-            </a:r>
-            <a:r>
-              <a:rPr lang="en-US" sz="1800" dirty="0">
-                <a:solidFill>
-                  <a:srgbClr val="A9B7C6"/>
-                </a:solidFill>
-                <a:effectLst/>
-                <a:latin typeface="JetBrains Mono"/>
-              </a:rPr>
-              <a:t>(</a:t>
-            </a:r>
-            <a:r>
-              <a:rPr lang="en-US" sz="1800" dirty="0" err="1">
-                <a:solidFill>
-                  <a:srgbClr val="AA4926"/>
-                </a:solidFill>
-                <a:effectLst/>
-                <a:latin typeface="JetBrains Mono"/>
-              </a:rPr>
-              <a:t>zip_file_paths</a:t>
-            </a:r>
-            <a:r>
-              <a:rPr lang="en-US" sz="1800" dirty="0">
-                <a:solidFill>
-                  <a:srgbClr val="A9B7C6"/>
-                </a:solidFill>
-                <a:effectLst/>
-                <a:latin typeface="JetBrains Mono"/>
-              </a:rPr>
-              <a:t>=</a:t>
-            </a:r>
-            <a:r>
-              <a:rPr lang="en-US" sz="1800" dirty="0" err="1">
-                <a:solidFill>
-                  <a:srgbClr val="A9B7C6"/>
-                </a:solidFill>
-                <a:effectLst/>
-                <a:latin typeface="JetBrains Mono"/>
-              </a:rPr>
-              <a:t>zip_file_paths</a:t>
-            </a:r>
-            <a:r>
-              <a:rPr lang="en-US" sz="1800" dirty="0">
-                <a:solidFill>
-                  <a:srgbClr val="CC7832"/>
-                </a:solidFill>
-                <a:effectLst/>
-                <a:latin typeface="JetBrains Mono"/>
-              </a:rPr>
-              <a:t>, </a:t>
-            </a:r>
-            <a:r>
-              <a:rPr lang="en-US" sz="1800" dirty="0">
-                <a:solidFill>
-                  <a:srgbClr val="AA4926"/>
-                </a:solidFill>
-                <a:effectLst/>
-                <a:latin typeface="JetBrains Mono"/>
-              </a:rPr>
-              <a:t>transform</a:t>
-            </a:r>
-            <a:r>
-              <a:rPr lang="en-US" sz="1800" dirty="0">
-                <a:solidFill>
-                  <a:srgbClr val="A9B7C6"/>
-                </a:solidFill>
-                <a:effectLst/>
-                <a:latin typeface="JetBrains Mono"/>
-              </a:rPr>
-              <a:t>=</a:t>
-            </a:r>
-            <a:r>
-              <a:rPr lang="en-US" sz="1800" dirty="0">
-                <a:solidFill>
-                  <a:srgbClr val="CC7832"/>
-                </a:solidFill>
-                <a:effectLst/>
-                <a:latin typeface="JetBrains Mono"/>
-              </a:rPr>
-              <a:t>None</a:t>
-            </a:r>
-            <a:r>
-              <a:rPr lang="en-US" sz="1800" dirty="0">
-                <a:solidFill>
-                  <a:srgbClr val="A9B7C6"/>
-                </a:solidFill>
-                <a:effectLst/>
-                <a:latin typeface="JetBrains Mono"/>
-              </a:rPr>
-              <a:t>)</a:t>
-            </a:r>
-            <a:br>
-              <a:rPr lang="en-US" sz="1800" dirty="0">
-                <a:solidFill>
-                  <a:srgbClr val="A9B7C6"/>
-                </a:solidFill>
-                <a:effectLst/>
-                <a:latin typeface="JetBrains Mono"/>
-              </a:rPr>
-            </a:br>
-            <a:r>
-              <a:rPr lang="en-US" sz="1800" dirty="0" err="1">
-                <a:solidFill>
-                  <a:srgbClr val="A9B7C6"/>
-                </a:solidFill>
-                <a:effectLst/>
-                <a:latin typeface="JetBrains Mono"/>
-              </a:rPr>
-              <a:t>dataloader</a:t>
-            </a:r>
-            <a:r>
-              <a:rPr lang="en-US" sz="1800" dirty="0">
-                <a:solidFill>
-                  <a:srgbClr val="A9B7C6"/>
-                </a:solidFill>
-                <a:effectLst/>
-                <a:latin typeface="JetBrains Mono"/>
-              </a:rPr>
-              <a:t> = </a:t>
-            </a:r>
-            <a:r>
-              <a:rPr lang="en-US" sz="1800" dirty="0" err="1">
-                <a:solidFill>
-                  <a:srgbClr val="A9B7C6"/>
-                </a:solidFill>
-                <a:effectLst/>
-                <a:latin typeface="JetBrains Mono"/>
-              </a:rPr>
-              <a:t>torch.utils.data.DataLoader</a:t>
-            </a:r>
-            <a:r>
-              <a:rPr lang="en-US" sz="1800" dirty="0">
-                <a:solidFill>
-                  <a:srgbClr val="A9B7C6"/>
-                </a:solidFill>
-                <a:effectLst/>
-                <a:latin typeface="JetBrains Mono"/>
-              </a:rPr>
-              <a:t>(dataset</a:t>
-            </a:r>
-            <a:r>
-              <a:rPr lang="en-US" sz="1800" dirty="0">
-                <a:solidFill>
-                  <a:srgbClr val="CC7832"/>
-                </a:solidFill>
-                <a:effectLst/>
-                <a:latin typeface="JetBrains Mono"/>
-              </a:rPr>
-              <a:t>, </a:t>
-            </a:r>
-            <a:r>
-              <a:rPr lang="en-US" sz="1800" dirty="0" err="1">
-                <a:solidFill>
-                  <a:srgbClr val="AA4926"/>
-                </a:solidFill>
-                <a:effectLst/>
-                <a:latin typeface="JetBrains Mono"/>
-              </a:rPr>
-              <a:t>batch_size</a:t>
-            </a:r>
-            <a:r>
-              <a:rPr lang="en-US" sz="1800" dirty="0">
-                <a:solidFill>
-                  <a:srgbClr val="A9B7C6"/>
-                </a:solidFill>
-                <a:effectLst/>
-                <a:latin typeface="JetBrains Mono"/>
-              </a:rPr>
-              <a:t>=</a:t>
-            </a:r>
-            <a:r>
-              <a:rPr lang="en-US" sz="1800" dirty="0">
-                <a:solidFill>
-                  <a:srgbClr val="6897BB"/>
-                </a:solidFill>
-                <a:effectLst/>
-                <a:latin typeface="JetBrains Mono"/>
-              </a:rPr>
-              <a:t>32</a:t>
-            </a:r>
-            <a:r>
-              <a:rPr lang="en-US" sz="1800" dirty="0">
-                <a:solidFill>
-                  <a:srgbClr val="CC7832"/>
-                </a:solidFill>
-                <a:effectLst/>
-                <a:latin typeface="JetBrains Mono"/>
-              </a:rPr>
-              <a:t>, </a:t>
-            </a:r>
-            <a:r>
-              <a:rPr lang="en-US" sz="1800" dirty="0">
-                <a:solidFill>
-                  <a:srgbClr val="AA4926"/>
-                </a:solidFill>
-                <a:effectLst/>
-                <a:latin typeface="JetBrains Mono"/>
-              </a:rPr>
-              <a:t>shuffle</a:t>
-            </a:r>
-            <a:r>
-              <a:rPr lang="en-US" sz="1800" dirty="0">
-                <a:solidFill>
-                  <a:srgbClr val="A9B7C6"/>
-                </a:solidFill>
-                <a:effectLst/>
-                <a:latin typeface="JetBrains Mono"/>
-              </a:rPr>
-              <a:t>=</a:t>
-            </a:r>
-            <a:r>
-              <a:rPr lang="en-US" sz="1800" dirty="0">
-                <a:solidFill>
-                  <a:srgbClr val="CC7832"/>
-                </a:solidFill>
-                <a:effectLst/>
-                <a:latin typeface="JetBrains Mono"/>
-              </a:rPr>
-              <a:t>True</a:t>
-            </a:r>
-            <a:r>
-              <a:rPr lang="en-US" sz="1800" dirty="0">
-                <a:solidFill>
-                  <a:srgbClr val="A9B7C6"/>
-                </a:solidFill>
-                <a:effectLst/>
-                <a:latin typeface="JetBrains Mono"/>
-              </a:rPr>
-              <a:t>)</a:t>
-            </a:r>
-            <a:br>
-              <a:rPr lang="en-US" sz="1800" dirty="0">
-                <a:solidFill>
-                  <a:srgbClr val="A9B7C6"/>
-                </a:solidFill>
-                <a:effectLst/>
-                <a:latin typeface="JetBrains Mono"/>
-              </a:rPr>
-            </a:br>
-            <a:r>
-              <a:rPr lang="en-US" sz="1800" dirty="0">
-                <a:solidFill>
-                  <a:srgbClr val="A9B7C6"/>
-                </a:solidFill>
-                <a:effectLst/>
-                <a:latin typeface="JetBrains Mono"/>
-              </a:rPr>
-              <a:t>samples = </a:t>
-            </a:r>
-            <a:r>
-              <a:rPr lang="en-US" sz="1800" dirty="0" err="1">
-                <a:solidFill>
-                  <a:srgbClr val="A9B7C6"/>
-                </a:solidFill>
-                <a:effectLst/>
-                <a:latin typeface="JetBrains Mono"/>
-              </a:rPr>
-              <a:t>dataset.samples</a:t>
-            </a:r>
-            <a:endParaRPr lang="en-US" sz="1800" dirty="0">
-              <a:solidFill>
-                <a:srgbClr val="A9B7C6"/>
-              </a:solidFill>
-              <a:effectLst/>
-              <a:latin typeface="JetBrains Mono"/>
-            </a:endParaRPr>
-          </a:p>
-        </p:txBody>
-      </p:sp>
-    </p:spTree>
-    <p:extLst>
-      <p:ext uri="{BB962C8B-B14F-4D97-AF65-F5344CB8AC3E}">
-        <p14:creationId xmlns:p14="http://schemas.microsoft.com/office/powerpoint/2010/main" val="3968011227"/>
-      </p:ext>
-    </p:extLst>
-  </p:cSld>
-  <p:clrMapOvr>
-    <a:masterClrMapping/>
-  </p:clrMapOvr>
-</p:sld>
-</file>
-
-<file path=ppt/slides/slide30.xml><?xml version="1.0" encoding="utf-8"?>
-<p:sld xmlns:a="http://schemas.openxmlformats.org/drawingml/2006/main" xmlns:r="http://schemas.openxmlformats.org/officeDocument/2006/relationships" xmlns:p="http://schemas.openxmlformats.org/presentationml/2006/main">
-  <p:cSld>
-    <p:spTree>
-      <p:nvGrpSpPr>
-        <p:cNvPr id="1" name=""/>
-        <p:cNvGrpSpPr/>
-        <p:nvPr/>
-      </p:nvGrpSpPr>
-      <p:grpSpPr>
-        <a:xfrm>
-          <a:off x="0" y="0"/>
-          <a:ext cx="0" cy="0"/>
-          <a:chOff x="0" y="0"/>
-          <a:chExt cx="0" cy="0"/>
-        </a:xfrm>
-      </p:grpSpPr>
-      <p:sp>
-        <p:nvSpPr>
-          <p:cNvPr id="2" name="Title 1">
-            <a:extLst>
-              <a:ext uri="{FF2B5EF4-FFF2-40B4-BE49-F238E27FC236}">
-                <a16:creationId xmlns:a16="http://schemas.microsoft.com/office/drawing/2014/main" id="{25B7B3AC-6DAD-D9F7-20F8-14207C49D88F}"/>
-              </a:ext>
-            </a:extLst>
-          </p:cNvPr>
-          <p:cNvSpPr>
-            <a:spLocks noGrp="1"/>
-          </p:cNvSpPr>
-          <p:nvPr>
-            <p:ph type="title"/>
-          </p:nvPr>
-        </p:nvSpPr>
-        <p:spPr/>
-        <p:txBody>
-          <a:bodyPr/>
-          <a:lstStyle/>
-          <a:p>
-            <a:r>
-              <a:rPr lang="en-US" dirty="0"/>
-              <a:t>Transformer for Video - Notes</a:t>
-            </a:r>
-          </a:p>
-        </p:txBody>
-      </p:sp>
-      <p:sp>
-        <p:nvSpPr>
-          <p:cNvPr id="4" name="Slide Number Placeholder 3">
-            <a:extLst>
-              <a:ext uri="{FF2B5EF4-FFF2-40B4-BE49-F238E27FC236}">
-                <a16:creationId xmlns:a16="http://schemas.microsoft.com/office/drawing/2014/main" id="{90C23A24-EB48-74BA-F4FD-FED43DDD1A18}"/>
-              </a:ext>
-            </a:extLst>
-          </p:cNvPr>
-          <p:cNvSpPr>
-            <a:spLocks noGrp="1"/>
-          </p:cNvSpPr>
-          <p:nvPr>
-            <p:ph type="sldNum" sz="quarter" idx="17"/>
-          </p:nvPr>
-        </p:nvSpPr>
-        <p:spPr/>
-        <p:txBody>
-          <a:bodyPr/>
-          <a:lstStyle/>
-          <a:p>
-            <a:fld id="{A52BEA90-E6BE-45F4-8D5D-C2E01FE3DBCB}" type="slidenum">
-              <a:rPr lang="en-US" smtClean="0"/>
-              <a:pPr/>
-              <a:t>30</a:t>
+              <a:t>31</a:t>
             </a:fld>
             <a:endParaRPr lang="en-US" dirty="0"/>
           </a:p>
@@ -12290,7 +12479,7 @@
 </p:sld>
 </file>
 
-<file path=ppt/slides/slide31.xml><?xml version="1.0" encoding="utf-8"?>
+<file path=ppt/slides/slide32.xml><?xml version="1.0" encoding="utf-8"?>
 <p:sld xmlns:a="http://schemas.openxmlformats.org/drawingml/2006/main" xmlns:r="http://schemas.openxmlformats.org/officeDocument/2006/relationships" xmlns:p="http://schemas.openxmlformats.org/presentationml/2006/main">
   <p:cSld>
     <p:spTree>
@@ -12388,7 +12577,7 @@
             <a:fld id="{A52BEA90-E6BE-45F4-8D5D-C2E01FE3DBCB}" type="slidenum">
               <a:rPr lang="en-US" smtClean="0"/>
               <a:pPr/>
-              <a:t>31</a:t>
+              <a:t>32</a:t>
             </a:fld>
             <a:endParaRPr lang="en-US" dirty="0"/>
           </a:p>
@@ -12436,7 +12625,7 @@
 </p:sld>
 </file>
 
-<file path=ppt/slides/slide32.xml><?xml version="1.0" encoding="utf-8"?>
+<file path=ppt/slides/slide33.xml><?xml version="1.0" encoding="utf-8"?>
 <p:sld xmlns:a="http://schemas.openxmlformats.org/drawingml/2006/main" xmlns:r="http://schemas.openxmlformats.org/officeDocument/2006/relationships" xmlns:p="http://schemas.openxmlformats.org/presentationml/2006/main">
   <p:cSld>
     <p:spTree>
@@ -12618,7 +12807,7 @@
 </p:sld>
 </file>
 
-<file path=ppt/slides/slide33.xml><?xml version="1.0" encoding="utf-8"?>
+<file path=ppt/slides/slide34.xml><?xml version="1.0" encoding="utf-8"?>
 <p:sld xmlns:a="http://schemas.openxmlformats.org/drawingml/2006/main" xmlns:r="http://schemas.openxmlformats.org/officeDocument/2006/relationships" xmlns:p="http://schemas.openxmlformats.org/presentationml/2006/main">
   <p:cSld>
     <p:spTree>
